--- a/arquivos/Modelo de Status Report Complexidade Alta.pptx
+++ b/arquivos/Modelo de Status Report Complexidade Alta.pptx
@@ -5004,6 +5004,7 @@
             <c:showLeaderLines val="0"/>
             <c:extLst>
               <c:ext xmlns:c15="http://schemas.microsoft.com/office/drawing/2012/chart" uri="{CE6537A1-D6FC-4f65-9D91-7224C49458BB}">
+                <c15:layout/>
                 <c15:showLeaderLines val="1"/>
                 <c15:leaderLines>
                   <c:spPr>
@@ -5167,6 +5168,7 @@
             <c:showLeaderLines val="0"/>
             <c:extLst>
               <c:ext xmlns:c15="http://schemas.microsoft.com/office/drawing/2012/chart" uri="{CE6537A1-D6FC-4f65-9D91-7224C49458BB}">
+                <c15:layout/>
                 <c15:showLeaderLines val="1"/>
                 <c15:leaderLines>
                   <c:spPr>
@@ -5322,6 +5324,7 @@
     </c:plotArea>
     <c:plotVisOnly val="1"/>
     <c:dispBlanksAs val="gap"/>
+    <c:showDLblsOverMax val="0"/>
     <c:extLst>
       <c:ext xmlns:c16r3="http://schemas.microsoft.com/office/drawing/2017/03/chart" uri="{56B9EC1D-385E-4148-901F-78D8002777C0}">
         <c16r3:dataDisplayOptions16>
@@ -5329,7 +5332,6 @@
         </c16r3:dataDisplayOptions16>
       </c:ext>
     </c:extLst>
-    <c:showDLblsOverMax val="0"/>
   </c:chart>
   <c:spPr>
     <a:noFill/>
@@ -5989,7 +5991,7 @@
           <a:p>
             <a:fld id="{90345AE1-7C29-432F-9E78-FAAED75B8257}" type="datetimeFigureOut">
               <a:rPr lang="pt-BR" smtClean="0"/>
-              <a:t>02/02/2021</a:t>
+              <a:t>20/07/2021</a:t>
             </a:fld>
             <a:endParaRPr lang="pt-BR" dirty="0"/>
           </a:p>
@@ -6163,7 +6165,7 @@
               <a:pPr>
                 <a:defRPr/>
               </a:pPr>
-              <a:t>02/02/2021</a:t>
+              <a:t>20/07/2021</a:t>
             </a:fld>
             <a:endParaRPr lang="pt-BR" dirty="0"/>
           </a:p>
@@ -8677,7 +8679,12 @@
             <p:ph type="title"/>
           </p:nvPr>
         </p:nvSpPr>
-        <p:spPr/>
+        <p:spPr>
+          <a:xfrm>
+            <a:off x="302476" y="215526"/>
+            <a:ext cx="8559800" cy="341499"/>
+          </a:xfrm>
+        </p:spPr>
         <p:txBody>
           <a:bodyPr/>
           <a:lstStyle/>
@@ -9720,6 +9727,36 @@
           </a:p>
         </p:txBody>
       </p:sp>
+      <p:pic>
+        <p:nvPicPr>
+          <p:cNvPr id="5" name="Imagem 4"/>
+          <p:cNvPicPr>
+            <a:picLocks noChangeAspect="1"/>
+          </p:cNvPicPr>
+          <p:nvPr/>
+        </p:nvPicPr>
+        <p:blipFill>
+          <a:blip r:embed="rId4">
+            <a:extLst>
+              <a:ext uri="{28A0092B-C50C-407E-A947-70E740481C1C}">
+                <a14:useLocalDpi xmlns:a14="http://schemas.microsoft.com/office/drawing/2010/main" val="0"/>
+              </a:ext>
+            </a:extLst>
+          </a:blip>
+          <a:stretch>
+            <a:fillRect/>
+          </a:stretch>
+        </p:blipFill>
+        <p:spPr>
+          <a:xfrm>
+            <a:off x="6345520" y="133842"/>
+            <a:ext cx="1365725" cy="504865"/>
+          </a:xfrm>
+          <a:prstGeom prst="rect">
+            <a:avLst/>
+          </a:prstGeom>
+        </p:spPr>
+      </p:pic>
     </p:spTree>
     <p:extLst>
       <p:ext uri="{BB962C8B-B14F-4D97-AF65-F5344CB8AC3E}">
@@ -10625,6 +10662,15 @@
 </file>
 
 <file path=customXml/item1.xml><?xml version="1.0" encoding="utf-8"?>
+<?mso-contentType ?>
+<FormTemplates xmlns="http://schemas.microsoft.com/sharepoint/v3/contenttype/forms">
+  <Display>DocumentLibraryForm</Display>
+  <Edit>DocumentLibraryForm</Edit>
+  <New>DocumentLibraryForm</New>
+</FormTemplates>
+</file>
+
+<file path=customXml/item2.xml><?xml version="1.0" encoding="utf-8"?>
 <ct:contentTypeSchema xmlns:ct="http://schemas.microsoft.com/office/2006/metadata/contentType" xmlns:ma="http://schemas.microsoft.com/office/2006/metadata/properties/metaAttributes" ct:_="" ma:_="" ma:contentTypeName="Documento" ma:contentTypeID="0x01010063DFB35F0B09BA41AF54FC4903225F5B" ma:contentTypeVersion="12" ma:contentTypeDescription="Crie um novo documento." ma:contentTypeScope="" ma:versionID="88afad98f24d116704af87d72533eb09">
   <xsd:schema xmlns:xsd="http://www.w3.org/2001/XMLSchema" xmlns:xs="http://www.w3.org/2001/XMLSchema" xmlns:p="http://schemas.microsoft.com/office/2006/metadata/properties" xmlns:ns2="eb33c5a6-54d1-477f-83bb-93291d03e373" xmlns:ns3="cd8cfd7d-5186-4715-9870-1f6c504c93d5" targetNamespace="http://schemas.microsoft.com/office/2006/metadata/properties" ma:root="true" ma:fieldsID="95e8515a11a0c11488025c807b4764e6" ns2:_="" ns3:_="">
     <xsd:import namespace="eb33c5a6-54d1-477f-83bb-93291d03e373"/>
@@ -10841,15 +10887,6 @@
 </ct:contentTypeSchema>
 </file>
 
-<file path=customXml/item2.xml><?xml version="1.0" encoding="utf-8"?>
-<?mso-contentType ?>
-<FormTemplates xmlns="http://schemas.microsoft.com/sharepoint/v3/contenttype/forms">
-  <Display>DocumentLibraryForm</Display>
-  <Edit>DocumentLibraryForm</Edit>
-  <New>DocumentLibraryForm</New>
-</FormTemplates>
-</file>
-
 <file path=customXml/item3.xml><?xml version="1.0" encoding="utf-8"?>
 <p:properties xmlns:p="http://schemas.microsoft.com/office/2006/metadata/properties" xmlns:xsi="http://www.w3.org/2001/XMLSchema-instance" xmlns:pc="http://schemas.microsoft.com/office/infopath/2007/PartnerControls">
   <documentManagement/>
@@ -10857,13 +10894,28 @@
 </file>
 
 <file path=customXml/itemProps1.xml><?xml version="1.0" encoding="utf-8"?>
-<ds:datastoreItem xmlns:ds="http://schemas.openxmlformats.org/officeDocument/2006/customXml" ds:itemID="{851EF16A-2D69-422A-B6EB-024DDCFA5273}"/>
+<ds:datastoreItem xmlns:ds="http://schemas.openxmlformats.org/officeDocument/2006/customXml" ds:itemID="{D1E38D57-0180-4567-AD0A-6F283E54E221}">
+  <ds:schemaRefs>
+    <ds:schemaRef ds:uri="http://schemas.microsoft.com/sharepoint/v3/contenttype/forms"/>
+  </ds:schemaRefs>
+</ds:datastoreItem>
 </file>
 
 <file path=customXml/itemProps2.xml><?xml version="1.0" encoding="utf-8"?>
-<ds:datastoreItem xmlns:ds="http://schemas.openxmlformats.org/officeDocument/2006/customXml" ds:itemID="{D1E38D57-0180-4567-AD0A-6F283E54E221}">
+<ds:datastoreItem xmlns:ds="http://schemas.openxmlformats.org/officeDocument/2006/customXml" ds:itemID="{851EF16A-2D69-422A-B6EB-024DDCFA5273}">
   <ds:schemaRefs>
-    <ds:schemaRef ds:uri="http://schemas.microsoft.com/sharepoint/v3/contenttype/forms"/>
+    <ds:schemaRef ds:uri="http://schemas.microsoft.com/office/2006/metadata/contentType"/>
+    <ds:schemaRef ds:uri="http://schemas.microsoft.com/office/2006/metadata/properties/metaAttributes"/>
+    <ds:schemaRef ds:uri="http://www.w3.org/2001/XMLSchema"/>
+    <ds:schemaRef ds:uri="http://schemas.microsoft.com/office/2006/metadata/properties"/>
+    <ds:schemaRef ds:uri="eb33c5a6-54d1-477f-83bb-93291d03e373"/>
+    <ds:schemaRef ds:uri="cd8cfd7d-5186-4715-9870-1f6c504c93d5"/>
+    <ds:schemaRef ds:uri="http://schemas.microsoft.com/office/2006/documentManagement/types"/>
+    <ds:schemaRef ds:uri="http://schemas.microsoft.com/office/infopath/2007/PartnerControls"/>
+    <ds:schemaRef ds:uri="http://schemas.openxmlformats.org/package/2006/metadata/core-properties"/>
+    <ds:schemaRef ds:uri="http://purl.org/dc/elements/1.1/"/>
+    <ds:schemaRef ds:uri="http://purl.org/dc/terms/"/>
+    <ds:schemaRef ds:uri="http://schemas.microsoft.com/internal/obd"/>
   </ds:schemaRefs>
 </ds:datastoreItem>
 </file>
